--- a/Layout UI/LayoutUI.pptx
+++ b/Layout UI/LayoutUI.pptx
@@ -8,7 +8,8 @@
     <p:sldId id="256" r:id="rId2"/>
     <p:sldId id="257" r:id="rId3"/>
     <p:sldId id="258" r:id="rId4"/>
-    <p:sldId id="259" r:id="rId5"/>
+    <p:sldId id="260" r:id="rId5"/>
+    <p:sldId id="259" r:id="rId6"/>
   </p:sldIdLst>
   <p:sldSz cx="9144000" cy="6858000" type="screen4x3"/>
   <p:notesSz cx="6858000" cy="9144000"/>
@@ -292,7 +293,7 @@
             <a:fld id="{BAEC5DAC-A39E-4106-B964-D588C2C9C2C6}" type="datetimeFigureOut">
               <a:rPr lang="ru-RU" smtClean="0"/>
               <a:pPr/>
-              <a:t>23.02.2016</a:t>
+              <a:t>26.02.2016</a:t>
             </a:fld>
             <a:endParaRPr lang="ru-RU"/>
           </a:p>
@@ -459,7 +460,7 @@
             <a:fld id="{BAEC5DAC-A39E-4106-B964-D588C2C9C2C6}" type="datetimeFigureOut">
               <a:rPr lang="ru-RU" smtClean="0"/>
               <a:pPr/>
-              <a:t>23.02.2016</a:t>
+              <a:t>26.02.2016</a:t>
             </a:fld>
             <a:endParaRPr lang="ru-RU"/>
           </a:p>
@@ -636,7 +637,7 @@
             <a:fld id="{BAEC5DAC-A39E-4106-B964-D588C2C9C2C6}" type="datetimeFigureOut">
               <a:rPr lang="ru-RU" smtClean="0"/>
               <a:pPr/>
-              <a:t>23.02.2016</a:t>
+              <a:t>26.02.2016</a:t>
             </a:fld>
             <a:endParaRPr lang="ru-RU"/>
           </a:p>
@@ -803,7 +804,7 @@
             <a:fld id="{BAEC5DAC-A39E-4106-B964-D588C2C9C2C6}" type="datetimeFigureOut">
               <a:rPr lang="ru-RU" smtClean="0"/>
               <a:pPr/>
-              <a:t>23.02.2016</a:t>
+              <a:t>26.02.2016</a:t>
             </a:fld>
             <a:endParaRPr lang="ru-RU"/>
           </a:p>
@@ -1046,7 +1047,7 @@
             <a:fld id="{BAEC5DAC-A39E-4106-B964-D588C2C9C2C6}" type="datetimeFigureOut">
               <a:rPr lang="ru-RU" smtClean="0"/>
               <a:pPr/>
-              <a:t>23.02.2016</a:t>
+              <a:t>26.02.2016</a:t>
             </a:fld>
             <a:endParaRPr lang="ru-RU"/>
           </a:p>
@@ -1331,7 +1332,7 @@
             <a:fld id="{BAEC5DAC-A39E-4106-B964-D588C2C9C2C6}" type="datetimeFigureOut">
               <a:rPr lang="ru-RU" smtClean="0"/>
               <a:pPr/>
-              <a:t>23.02.2016</a:t>
+              <a:t>26.02.2016</a:t>
             </a:fld>
             <a:endParaRPr lang="ru-RU"/>
           </a:p>
@@ -1750,7 +1751,7 @@
             <a:fld id="{BAEC5DAC-A39E-4106-B964-D588C2C9C2C6}" type="datetimeFigureOut">
               <a:rPr lang="ru-RU" smtClean="0"/>
               <a:pPr/>
-              <a:t>23.02.2016</a:t>
+              <a:t>26.02.2016</a:t>
             </a:fld>
             <a:endParaRPr lang="ru-RU"/>
           </a:p>
@@ -1865,7 +1866,7 @@
             <a:fld id="{BAEC5DAC-A39E-4106-B964-D588C2C9C2C6}" type="datetimeFigureOut">
               <a:rPr lang="ru-RU" smtClean="0"/>
               <a:pPr/>
-              <a:t>23.02.2016</a:t>
+              <a:t>26.02.2016</a:t>
             </a:fld>
             <a:endParaRPr lang="ru-RU"/>
           </a:p>
@@ -1957,7 +1958,7 @@
             <a:fld id="{BAEC5DAC-A39E-4106-B964-D588C2C9C2C6}" type="datetimeFigureOut">
               <a:rPr lang="ru-RU" smtClean="0"/>
               <a:pPr/>
-              <a:t>23.02.2016</a:t>
+              <a:t>26.02.2016</a:t>
             </a:fld>
             <a:endParaRPr lang="ru-RU"/>
           </a:p>
@@ -2231,7 +2232,7 @@
             <a:fld id="{BAEC5DAC-A39E-4106-B964-D588C2C9C2C6}" type="datetimeFigureOut">
               <a:rPr lang="ru-RU" smtClean="0"/>
               <a:pPr/>
-              <a:t>23.02.2016</a:t>
+              <a:t>26.02.2016</a:t>
             </a:fld>
             <a:endParaRPr lang="ru-RU"/>
           </a:p>
@@ -2481,7 +2482,7 @@
             <a:fld id="{BAEC5DAC-A39E-4106-B964-D588C2C9C2C6}" type="datetimeFigureOut">
               <a:rPr lang="ru-RU" smtClean="0"/>
               <a:pPr/>
-              <a:t>23.02.2016</a:t>
+              <a:t>26.02.2016</a:t>
             </a:fld>
             <a:endParaRPr lang="ru-RU"/>
           </a:p>
@@ -2700,7 +2701,7 @@
             <a:fld id="{BAEC5DAC-A39E-4106-B964-D588C2C9C2C6}" type="datetimeFigureOut">
               <a:rPr lang="ru-RU" smtClean="0"/>
               <a:pPr/>
-              <a:t>23.02.2016</a:t>
+              <a:t>26.02.2016</a:t>
             </a:fld>
             <a:endParaRPr lang="ru-RU"/>
           </a:p>
@@ -4492,7 +4493,11 @@
           <a:p>
             <a:r>
               <a:rPr lang="en-US" dirty="0" smtClean="0"/>
-              <a:t>Scene 2</a:t>
+              <a:t>Scene </a:t>
+            </a:r>
+            <a:r>
+              <a:rPr lang="en-US" dirty="0" smtClean="0"/>
+              <a:t>2</a:t>
             </a:r>
             <a:endParaRPr lang="ru-RU" dirty="0"/>
           </a:p>
@@ -4523,7 +4528,11 @@
             </a:pPr>
             <a:r>
               <a:rPr lang="en-US" dirty="0" smtClean="0"/>
-              <a:t>menu</a:t>
+              <a:t>M</a:t>
+            </a:r>
+            <a:r>
+              <a:rPr lang="en-US" dirty="0" smtClean="0"/>
+              <a:t>enu</a:t>
             </a:r>
             <a:endParaRPr lang="ru-RU" dirty="0"/>
           </a:p>
@@ -5842,7 +5851,1656 @@
           <a:p>
             <a:r>
               <a:rPr lang="en-US" dirty="0" smtClean="0"/>
-              <a:t>Scene 3</a:t>
+              <a:t>Scene </a:t>
+            </a:r>
+            <a:r>
+              <a:rPr lang="en-US" dirty="0" smtClean="0"/>
+              <a:t>3</a:t>
+            </a:r>
+            <a:endParaRPr lang="ru-RU" dirty="0"/>
+          </a:p>
+        </p:txBody>
+      </p:sp>
+      <p:sp>
+        <p:nvSpPr>
+          <p:cNvPr id="3" name="Содержимое 2"/>
+          <p:cNvSpPr>
+            <a:spLocks noGrp="1"/>
+          </p:cNvSpPr>
+          <p:nvPr>
+            <p:ph idx="1"/>
+          </p:nvPr>
+        </p:nvSpPr>
+        <p:spPr>
+          <a:xfrm>
+            <a:off x="3347864" y="1124744"/>
+            <a:ext cx="3384376" cy="576064"/>
+          </a:xfrm>
+        </p:spPr>
+        <p:txBody>
+          <a:bodyPr>
+            <a:noAutofit/>
+          </a:bodyPr>
+          <a:lstStyle/>
+          <a:p>
+            <a:pPr>
+              <a:buNone/>
+            </a:pPr>
+            <a:r>
+              <a:rPr lang="en-US" dirty="0" smtClean="0"/>
+              <a:t>Game</a:t>
+            </a:r>
+            <a:r>
+              <a:rPr lang="ru-RU" dirty="0" smtClean="0"/>
+              <a:t> </a:t>
+            </a:r>
+            <a:r>
+              <a:rPr lang="en-US" dirty="0" smtClean="0"/>
+              <a:t>control</a:t>
+            </a:r>
+            <a:endParaRPr lang="ru-RU" dirty="0"/>
+          </a:p>
+        </p:txBody>
+      </p:sp>
+      <p:grpSp>
+        <p:nvGrpSpPr>
+          <p:cNvPr id="4" name="Phone"/>
+          <p:cNvGrpSpPr>
+            <a:grpSpLocks noChangeAspect="1"/>
+          </p:cNvGrpSpPr>
+          <p:nvPr/>
+        </p:nvGrpSpPr>
+        <p:grpSpPr>
+          <a:xfrm rot="5400000">
+            <a:off x="2371002" y="-130641"/>
+            <a:ext cx="4415586" cy="8654549"/>
+            <a:chOff x="595686" y="1262396"/>
+            <a:chExt cx="2479208" cy="4859248"/>
+          </a:xfrm>
+        </p:grpSpPr>
+        <p:sp>
+          <p:nvSpPr>
+            <p:cNvPr id="6" name="Case"/>
+            <p:cNvSpPr>
+              <a:spLocks/>
+            </p:cNvSpPr>
+            <p:nvPr/>
+          </p:nvSpPr>
+          <p:spPr bwMode="auto">
+            <a:xfrm>
+              <a:off x="595686" y="1262396"/>
+              <a:ext cx="2479208" cy="4859248"/>
+            </a:xfrm>
+            <a:custGeom>
+              <a:avLst/>
+              <a:gdLst>
+                <a:gd name="T0" fmla="*/ 403 w 4052"/>
+                <a:gd name="T1" fmla="*/ 0 h 7922"/>
+                <a:gd name="T2" fmla="*/ 3649 w 4052"/>
+                <a:gd name="T3" fmla="*/ 0 h 7922"/>
+                <a:gd name="T4" fmla="*/ 4052 w 4052"/>
+                <a:gd name="T5" fmla="*/ 403 h 7922"/>
+                <a:gd name="T6" fmla="*/ 4052 w 4052"/>
+                <a:gd name="T7" fmla="*/ 7519 h 7922"/>
+                <a:gd name="T8" fmla="*/ 3649 w 4052"/>
+                <a:gd name="T9" fmla="*/ 7922 h 7922"/>
+                <a:gd name="T10" fmla="*/ 403 w 4052"/>
+                <a:gd name="T11" fmla="*/ 7922 h 7922"/>
+                <a:gd name="T12" fmla="*/ 0 w 4052"/>
+                <a:gd name="T13" fmla="*/ 7519 h 7922"/>
+                <a:gd name="T14" fmla="*/ 0 w 4052"/>
+                <a:gd name="T15" fmla="*/ 403 h 7922"/>
+                <a:gd name="T16" fmla="*/ 403 w 4052"/>
+                <a:gd name="T17" fmla="*/ 0 h 7922"/>
+              </a:gdLst>
+              <a:ahLst/>
+              <a:cxnLst>
+                <a:cxn ang="0">
+                  <a:pos x="T0" y="T1"/>
+                </a:cxn>
+                <a:cxn ang="0">
+                  <a:pos x="T2" y="T3"/>
+                </a:cxn>
+                <a:cxn ang="0">
+                  <a:pos x="T4" y="T5"/>
+                </a:cxn>
+                <a:cxn ang="0">
+                  <a:pos x="T6" y="T7"/>
+                </a:cxn>
+                <a:cxn ang="0">
+                  <a:pos x="T8" y="T9"/>
+                </a:cxn>
+                <a:cxn ang="0">
+                  <a:pos x="T10" y="T11"/>
+                </a:cxn>
+                <a:cxn ang="0">
+                  <a:pos x="T12" y="T13"/>
+                </a:cxn>
+                <a:cxn ang="0">
+                  <a:pos x="T14" y="T15"/>
+                </a:cxn>
+                <a:cxn ang="0">
+                  <a:pos x="T16" y="T17"/>
+                </a:cxn>
+              </a:cxnLst>
+              <a:rect l="0" t="0" r="r" b="b"/>
+              <a:pathLst>
+                <a:path w="4052" h="7922">
+                  <a:moveTo>
+                    <a:pt x="403" y="0"/>
+                  </a:moveTo>
+                  <a:lnTo>
+                    <a:pt x="3649" y="0"/>
+                  </a:lnTo>
+                  <a:cubicBezTo>
+                    <a:pt x="3872" y="0"/>
+                    <a:pt x="4052" y="179"/>
+                    <a:pt x="4052" y="403"/>
+                  </a:cubicBezTo>
+                  <a:lnTo>
+                    <a:pt x="4052" y="7519"/>
+                  </a:lnTo>
+                  <a:cubicBezTo>
+                    <a:pt x="4052" y="7742"/>
+                    <a:pt x="3872" y="7922"/>
+                    <a:pt x="3649" y="7922"/>
+                  </a:cubicBezTo>
+                  <a:lnTo>
+                    <a:pt x="403" y="7922"/>
+                  </a:lnTo>
+                  <a:cubicBezTo>
+                    <a:pt x="180" y="7922"/>
+                    <a:pt x="0" y="7742"/>
+                    <a:pt x="0" y="7519"/>
+                  </a:cubicBezTo>
+                  <a:lnTo>
+                    <a:pt x="0" y="403"/>
+                  </a:lnTo>
+                  <a:cubicBezTo>
+                    <a:pt x="0" y="179"/>
+                    <a:pt x="180" y="0"/>
+                    <a:pt x="403" y="0"/>
+                  </a:cubicBezTo>
+                  <a:close/>
+                </a:path>
+              </a:pathLst>
+            </a:custGeom>
+            <a:solidFill>
+              <a:srgbClr val="263238"/>
+            </a:solidFill>
+            <a:ln w="6350" cap="sq">
+              <a:noFill/>
+              <a:prstDash val="solid"/>
+              <a:miter lim="800000"/>
+              <a:headEnd/>
+              <a:tailEnd/>
+            </a:ln>
+            <a:extLst/>
+          </p:spPr>
+          <p:txBody>
+            <a:bodyPr vert="horz" wrap="square" lIns="91440" tIns="45720" rIns="91440" bIns="45720" numCol="1" anchor="t" anchorCtr="0" compatLnSpc="1">
+              <a:prstTxWarp prst="textNoShape">
+                <a:avLst/>
+              </a:prstTxWarp>
+            </a:bodyPr>
+            <a:lstStyle>
+              <a:defPPr>
+                <a:defRPr lang="en-US"/>
+              </a:defPPr>
+              <a:lvl1pPr marL="0" algn="l" defTabSz="914400" rtl="0" eaLnBrk="1" latinLnBrk="0" hangingPunct="1">
+                <a:defRPr sz="1800" kern="1200">
+                  <a:solidFill>
+                    <a:schemeClr val="tx1"/>
+                  </a:solidFill>
+                  <a:latin typeface="+mn-lt"/>
+                  <a:ea typeface="+mn-ea"/>
+                  <a:cs typeface="+mn-cs"/>
+                </a:defRPr>
+              </a:lvl1pPr>
+              <a:lvl2pPr marL="457200" algn="l" defTabSz="914400" rtl="0" eaLnBrk="1" latinLnBrk="0" hangingPunct="1">
+                <a:defRPr sz="1800" kern="1200">
+                  <a:solidFill>
+                    <a:schemeClr val="tx1"/>
+                  </a:solidFill>
+                  <a:latin typeface="+mn-lt"/>
+                  <a:ea typeface="+mn-ea"/>
+                  <a:cs typeface="+mn-cs"/>
+                </a:defRPr>
+              </a:lvl2pPr>
+              <a:lvl3pPr marL="914400" algn="l" defTabSz="914400" rtl="0" eaLnBrk="1" latinLnBrk="0" hangingPunct="1">
+                <a:defRPr sz="1800" kern="1200">
+                  <a:solidFill>
+                    <a:schemeClr val="tx1"/>
+                  </a:solidFill>
+                  <a:latin typeface="+mn-lt"/>
+                  <a:ea typeface="+mn-ea"/>
+                  <a:cs typeface="+mn-cs"/>
+                </a:defRPr>
+              </a:lvl3pPr>
+              <a:lvl4pPr marL="1371600" algn="l" defTabSz="914400" rtl="0" eaLnBrk="1" latinLnBrk="0" hangingPunct="1">
+                <a:defRPr sz="1800" kern="1200">
+                  <a:solidFill>
+                    <a:schemeClr val="tx1"/>
+                  </a:solidFill>
+                  <a:latin typeface="+mn-lt"/>
+                  <a:ea typeface="+mn-ea"/>
+                  <a:cs typeface="+mn-cs"/>
+                </a:defRPr>
+              </a:lvl4pPr>
+              <a:lvl5pPr marL="1828800" algn="l" defTabSz="914400" rtl="0" eaLnBrk="1" latinLnBrk="0" hangingPunct="1">
+                <a:defRPr sz="1800" kern="1200">
+                  <a:solidFill>
+                    <a:schemeClr val="tx1"/>
+                  </a:solidFill>
+                  <a:latin typeface="+mn-lt"/>
+                  <a:ea typeface="+mn-ea"/>
+                  <a:cs typeface="+mn-cs"/>
+                </a:defRPr>
+              </a:lvl5pPr>
+              <a:lvl6pPr marL="2286000" algn="l" defTabSz="914400" rtl="0" eaLnBrk="1" latinLnBrk="0" hangingPunct="1">
+                <a:defRPr sz="1800" kern="1200">
+                  <a:solidFill>
+                    <a:schemeClr val="tx1"/>
+                  </a:solidFill>
+                  <a:latin typeface="+mn-lt"/>
+                  <a:ea typeface="+mn-ea"/>
+                  <a:cs typeface="+mn-cs"/>
+                </a:defRPr>
+              </a:lvl6pPr>
+              <a:lvl7pPr marL="2743200" algn="l" defTabSz="914400" rtl="0" eaLnBrk="1" latinLnBrk="0" hangingPunct="1">
+                <a:defRPr sz="1800" kern="1200">
+                  <a:solidFill>
+                    <a:schemeClr val="tx1"/>
+                  </a:solidFill>
+                  <a:latin typeface="+mn-lt"/>
+                  <a:ea typeface="+mn-ea"/>
+                  <a:cs typeface="+mn-cs"/>
+                </a:defRPr>
+              </a:lvl7pPr>
+              <a:lvl8pPr marL="3200400" algn="l" defTabSz="914400" rtl="0" eaLnBrk="1" latinLnBrk="0" hangingPunct="1">
+                <a:defRPr sz="1800" kern="1200">
+                  <a:solidFill>
+                    <a:schemeClr val="tx1"/>
+                  </a:solidFill>
+                  <a:latin typeface="+mn-lt"/>
+                  <a:ea typeface="+mn-ea"/>
+                  <a:cs typeface="+mn-cs"/>
+                </a:defRPr>
+              </a:lvl8pPr>
+              <a:lvl9pPr marL="3657600" algn="l" defTabSz="914400" rtl="0" eaLnBrk="1" latinLnBrk="0" hangingPunct="1">
+                <a:defRPr sz="1800" kern="1200">
+                  <a:solidFill>
+                    <a:schemeClr val="tx1"/>
+                  </a:solidFill>
+                  <a:latin typeface="+mn-lt"/>
+                  <a:ea typeface="+mn-ea"/>
+                  <a:cs typeface="+mn-cs"/>
+                </a:defRPr>
+              </a:lvl9pPr>
+            </a:lstStyle>
+            <a:p>
+              <a:endParaRPr lang="en-US" sz="900">
+                <a:latin typeface="Segoe UI" panose="020B0502040204020203" pitchFamily="34" charset="0"/>
+                <a:cs typeface="Segoe UI" panose="020B0502040204020203" pitchFamily="34" charset="0"/>
+              </a:endParaRPr>
+            </a:p>
+          </p:txBody>
+        </p:sp>
+        <p:sp>
+          <p:nvSpPr>
+            <p:cNvPr id="7" name="Button"/>
+            <p:cNvSpPr>
+              <a:spLocks/>
+            </p:cNvSpPr>
+            <p:nvPr/>
+          </p:nvSpPr>
+          <p:spPr bwMode="auto">
+            <a:xfrm>
+              <a:off x="1590813" y="5845832"/>
+              <a:ext cx="488955" cy="161837"/>
+            </a:xfrm>
+            <a:custGeom>
+              <a:avLst/>
+              <a:gdLst>
+                <a:gd name="T0" fmla="*/ 131 w 796"/>
+                <a:gd name="T1" fmla="*/ 0 h 262"/>
+                <a:gd name="T2" fmla="*/ 665 w 796"/>
+                <a:gd name="T3" fmla="*/ 0 h 262"/>
+                <a:gd name="T4" fmla="*/ 796 w 796"/>
+                <a:gd name="T5" fmla="*/ 131 h 262"/>
+                <a:gd name="T6" fmla="*/ 665 w 796"/>
+                <a:gd name="T7" fmla="*/ 262 h 262"/>
+                <a:gd name="T8" fmla="*/ 131 w 796"/>
+                <a:gd name="T9" fmla="*/ 262 h 262"/>
+                <a:gd name="T10" fmla="*/ 0 w 796"/>
+                <a:gd name="T11" fmla="*/ 131 h 262"/>
+                <a:gd name="T12" fmla="*/ 131 w 796"/>
+                <a:gd name="T13" fmla="*/ 0 h 262"/>
+              </a:gdLst>
+              <a:ahLst/>
+              <a:cxnLst>
+                <a:cxn ang="0">
+                  <a:pos x="T0" y="T1"/>
+                </a:cxn>
+                <a:cxn ang="0">
+                  <a:pos x="T2" y="T3"/>
+                </a:cxn>
+                <a:cxn ang="0">
+                  <a:pos x="T4" y="T5"/>
+                </a:cxn>
+                <a:cxn ang="0">
+                  <a:pos x="T6" y="T7"/>
+                </a:cxn>
+                <a:cxn ang="0">
+                  <a:pos x="T8" y="T9"/>
+                </a:cxn>
+                <a:cxn ang="0">
+                  <a:pos x="T10" y="T11"/>
+                </a:cxn>
+                <a:cxn ang="0">
+                  <a:pos x="T12" y="T13"/>
+                </a:cxn>
+              </a:cxnLst>
+              <a:rect l="0" t="0" r="r" b="b"/>
+              <a:pathLst>
+                <a:path w="796" h="262">
+                  <a:moveTo>
+                    <a:pt x="131" y="0"/>
+                  </a:moveTo>
+                  <a:lnTo>
+                    <a:pt x="665" y="0"/>
+                  </a:lnTo>
+                  <a:cubicBezTo>
+                    <a:pt x="738" y="0"/>
+                    <a:pt x="796" y="59"/>
+                    <a:pt x="796" y="131"/>
+                  </a:cubicBezTo>
+                  <a:cubicBezTo>
+                    <a:pt x="796" y="204"/>
+                    <a:pt x="738" y="262"/>
+                    <a:pt x="665" y="262"/>
+                  </a:cubicBezTo>
+                  <a:lnTo>
+                    <a:pt x="131" y="262"/>
+                  </a:lnTo>
+                  <a:cubicBezTo>
+                    <a:pt x="58" y="262"/>
+                    <a:pt x="0" y="204"/>
+                    <a:pt x="0" y="131"/>
+                  </a:cubicBezTo>
+                  <a:cubicBezTo>
+                    <a:pt x="0" y="59"/>
+                    <a:pt x="58" y="0"/>
+                    <a:pt x="131" y="0"/>
+                  </a:cubicBezTo>
+                  <a:close/>
+                </a:path>
+              </a:pathLst>
+            </a:custGeom>
+            <a:solidFill>
+              <a:srgbClr val="37474F"/>
+            </a:solidFill>
+            <a:ln w="6350" cap="sq">
+              <a:noFill/>
+              <a:prstDash val="solid"/>
+              <a:miter lim="800000"/>
+              <a:headEnd/>
+              <a:tailEnd/>
+            </a:ln>
+          </p:spPr>
+          <p:txBody>
+            <a:bodyPr vert="horz" wrap="square" lIns="91440" tIns="45720" rIns="91440" bIns="45720" numCol="1" anchor="t" anchorCtr="0" compatLnSpc="1">
+              <a:prstTxWarp prst="textNoShape">
+                <a:avLst/>
+              </a:prstTxWarp>
+            </a:bodyPr>
+            <a:lstStyle>
+              <a:defPPr>
+                <a:defRPr lang="en-US"/>
+              </a:defPPr>
+              <a:lvl1pPr marL="0" algn="l" defTabSz="914400" rtl="0" eaLnBrk="1" latinLnBrk="0" hangingPunct="1">
+                <a:defRPr sz="1800" kern="1200">
+                  <a:solidFill>
+                    <a:schemeClr val="tx1"/>
+                  </a:solidFill>
+                  <a:latin typeface="+mn-lt"/>
+                  <a:ea typeface="+mn-ea"/>
+                  <a:cs typeface="+mn-cs"/>
+                </a:defRPr>
+              </a:lvl1pPr>
+              <a:lvl2pPr marL="457200" algn="l" defTabSz="914400" rtl="0" eaLnBrk="1" latinLnBrk="0" hangingPunct="1">
+                <a:defRPr sz="1800" kern="1200">
+                  <a:solidFill>
+                    <a:schemeClr val="tx1"/>
+                  </a:solidFill>
+                  <a:latin typeface="+mn-lt"/>
+                  <a:ea typeface="+mn-ea"/>
+                  <a:cs typeface="+mn-cs"/>
+                </a:defRPr>
+              </a:lvl2pPr>
+              <a:lvl3pPr marL="914400" algn="l" defTabSz="914400" rtl="0" eaLnBrk="1" latinLnBrk="0" hangingPunct="1">
+                <a:defRPr sz="1800" kern="1200">
+                  <a:solidFill>
+                    <a:schemeClr val="tx1"/>
+                  </a:solidFill>
+                  <a:latin typeface="+mn-lt"/>
+                  <a:ea typeface="+mn-ea"/>
+                  <a:cs typeface="+mn-cs"/>
+                </a:defRPr>
+              </a:lvl3pPr>
+              <a:lvl4pPr marL="1371600" algn="l" defTabSz="914400" rtl="0" eaLnBrk="1" latinLnBrk="0" hangingPunct="1">
+                <a:defRPr sz="1800" kern="1200">
+                  <a:solidFill>
+                    <a:schemeClr val="tx1"/>
+                  </a:solidFill>
+                  <a:latin typeface="+mn-lt"/>
+                  <a:ea typeface="+mn-ea"/>
+                  <a:cs typeface="+mn-cs"/>
+                </a:defRPr>
+              </a:lvl4pPr>
+              <a:lvl5pPr marL="1828800" algn="l" defTabSz="914400" rtl="0" eaLnBrk="1" latinLnBrk="0" hangingPunct="1">
+                <a:defRPr sz="1800" kern="1200">
+                  <a:solidFill>
+                    <a:schemeClr val="tx1"/>
+                  </a:solidFill>
+                  <a:latin typeface="+mn-lt"/>
+                  <a:ea typeface="+mn-ea"/>
+                  <a:cs typeface="+mn-cs"/>
+                </a:defRPr>
+              </a:lvl5pPr>
+              <a:lvl6pPr marL="2286000" algn="l" defTabSz="914400" rtl="0" eaLnBrk="1" latinLnBrk="0" hangingPunct="1">
+                <a:defRPr sz="1800" kern="1200">
+                  <a:solidFill>
+                    <a:schemeClr val="tx1"/>
+                  </a:solidFill>
+                  <a:latin typeface="+mn-lt"/>
+                  <a:ea typeface="+mn-ea"/>
+                  <a:cs typeface="+mn-cs"/>
+                </a:defRPr>
+              </a:lvl6pPr>
+              <a:lvl7pPr marL="2743200" algn="l" defTabSz="914400" rtl="0" eaLnBrk="1" latinLnBrk="0" hangingPunct="1">
+                <a:defRPr sz="1800" kern="1200">
+                  <a:solidFill>
+                    <a:schemeClr val="tx1"/>
+                  </a:solidFill>
+                  <a:latin typeface="+mn-lt"/>
+                  <a:ea typeface="+mn-ea"/>
+                  <a:cs typeface="+mn-cs"/>
+                </a:defRPr>
+              </a:lvl7pPr>
+              <a:lvl8pPr marL="3200400" algn="l" defTabSz="914400" rtl="0" eaLnBrk="1" latinLnBrk="0" hangingPunct="1">
+                <a:defRPr sz="1800" kern="1200">
+                  <a:solidFill>
+                    <a:schemeClr val="tx1"/>
+                  </a:solidFill>
+                  <a:latin typeface="+mn-lt"/>
+                  <a:ea typeface="+mn-ea"/>
+                  <a:cs typeface="+mn-cs"/>
+                </a:defRPr>
+              </a:lvl8pPr>
+              <a:lvl9pPr marL="3657600" algn="l" defTabSz="914400" rtl="0" eaLnBrk="1" latinLnBrk="0" hangingPunct="1">
+                <a:defRPr sz="1800" kern="1200">
+                  <a:solidFill>
+                    <a:schemeClr val="tx1"/>
+                  </a:solidFill>
+                  <a:latin typeface="+mn-lt"/>
+                  <a:ea typeface="+mn-ea"/>
+                  <a:cs typeface="+mn-cs"/>
+                </a:defRPr>
+              </a:lvl9pPr>
+            </a:lstStyle>
+            <a:p>
+              <a:endParaRPr lang="en-US" sz="900">
+                <a:latin typeface="Segoe UI" panose="020B0502040204020203" pitchFamily="34" charset="0"/>
+                <a:cs typeface="Segoe UI" panose="020B0502040204020203" pitchFamily="34" charset="0"/>
+              </a:endParaRPr>
+            </a:p>
+          </p:txBody>
+        </p:sp>
+        <p:sp>
+          <p:nvSpPr>
+            <p:cNvPr id="8" name="Camera"/>
+            <p:cNvSpPr>
+              <a:spLocks noChangeArrowheads="1"/>
+            </p:cNvSpPr>
+            <p:nvPr/>
+          </p:nvSpPr>
+          <p:spPr bwMode="auto">
+            <a:xfrm>
+              <a:off x="2661693" y="1386356"/>
+              <a:ext cx="123960" cy="123960"/>
+            </a:xfrm>
+            <a:prstGeom prst="ellipse">
+              <a:avLst/>
+            </a:prstGeom>
+            <a:solidFill>
+              <a:srgbClr val="37474F"/>
+            </a:solidFill>
+            <a:ln w="6350" cap="sq">
+              <a:noFill/>
+              <a:prstDash val="solid"/>
+              <a:miter lim="800000"/>
+              <a:headEnd/>
+              <a:tailEnd/>
+            </a:ln>
+          </p:spPr>
+          <p:txBody>
+            <a:bodyPr vert="horz" wrap="square" lIns="91440" tIns="45720" rIns="91440" bIns="45720" numCol="1" anchor="t" anchorCtr="0" compatLnSpc="1">
+              <a:prstTxWarp prst="textNoShape">
+                <a:avLst/>
+              </a:prstTxWarp>
+            </a:bodyPr>
+            <a:lstStyle>
+              <a:defPPr>
+                <a:defRPr lang="en-US"/>
+              </a:defPPr>
+              <a:lvl1pPr marL="0" algn="l" defTabSz="914400" rtl="0" eaLnBrk="1" latinLnBrk="0" hangingPunct="1">
+                <a:defRPr sz="1800" kern="1200">
+                  <a:solidFill>
+                    <a:schemeClr val="tx1"/>
+                  </a:solidFill>
+                  <a:latin typeface="+mn-lt"/>
+                  <a:ea typeface="+mn-ea"/>
+                  <a:cs typeface="+mn-cs"/>
+                </a:defRPr>
+              </a:lvl1pPr>
+              <a:lvl2pPr marL="457200" algn="l" defTabSz="914400" rtl="0" eaLnBrk="1" latinLnBrk="0" hangingPunct="1">
+                <a:defRPr sz="1800" kern="1200">
+                  <a:solidFill>
+                    <a:schemeClr val="tx1"/>
+                  </a:solidFill>
+                  <a:latin typeface="+mn-lt"/>
+                  <a:ea typeface="+mn-ea"/>
+                  <a:cs typeface="+mn-cs"/>
+                </a:defRPr>
+              </a:lvl2pPr>
+              <a:lvl3pPr marL="914400" algn="l" defTabSz="914400" rtl="0" eaLnBrk="1" latinLnBrk="0" hangingPunct="1">
+                <a:defRPr sz="1800" kern="1200">
+                  <a:solidFill>
+                    <a:schemeClr val="tx1"/>
+                  </a:solidFill>
+                  <a:latin typeface="+mn-lt"/>
+                  <a:ea typeface="+mn-ea"/>
+                  <a:cs typeface="+mn-cs"/>
+                </a:defRPr>
+              </a:lvl3pPr>
+              <a:lvl4pPr marL="1371600" algn="l" defTabSz="914400" rtl="0" eaLnBrk="1" latinLnBrk="0" hangingPunct="1">
+                <a:defRPr sz="1800" kern="1200">
+                  <a:solidFill>
+                    <a:schemeClr val="tx1"/>
+                  </a:solidFill>
+                  <a:latin typeface="+mn-lt"/>
+                  <a:ea typeface="+mn-ea"/>
+                  <a:cs typeface="+mn-cs"/>
+                </a:defRPr>
+              </a:lvl4pPr>
+              <a:lvl5pPr marL="1828800" algn="l" defTabSz="914400" rtl="0" eaLnBrk="1" latinLnBrk="0" hangingPunct="1">
+                <a:defRPr sz="1800" kern="1200">
+                  <a:solidFill>
+                    <a:schemeClr val="tx1"/>
+                  </a:solidFill>
+                  <a:latin typeface="+mn-lt"/>
+                  <a:ea typeface="+mn-ea"/>
+                  <a:cs typeface="+mn-cs"/>
+                </a:defRPr>
+              </a:lvl5pPr>
+              <a:lvl6pPr marL="2286000" algn="l" defTabSz="914400" rtl="0" eaLnBrk="1" latinLnBrk="0" hangingPunct="1">
+                <a:defRPr sz="1800" kern="1200">
+                  <a:solidFill>
+                    <a:schemeClr val="tx1"/>
+                  </a:solidFill>
+                  <a:latin typeface="+mn-lt"/>
+                  <a:ea typeface="+mn-ea"/>
+                  <a:cs typeface="+mn-cs"/>
+                </a:defRPr>
+              </a:lvl6pPr>
+              <a:lvl7pPr marL="2743200" algn="l" defTabSz="914400" rtl="0" eaLnBrk="1" latinLnBrk="0" hangingPunct="1">
+                <a:defRPr sz="1800" kern="1200">
+                  <a:solidFill>
+                    <a:schemeClr val="tx1"/>
+                  </a:solidFill>
+                  <a:latin typeface="+mn-lt"/>
+                  <a:ea typeface="+mn-ea"/>
+                  <a:cs typeface="+mn-cs"/>
+                </a:defRPr>
+              </a:lvl7pPr>
+              <a:lvl8pPr marL="3200400" algn="l" defTabSz="914400" rtl="0" eaLnBrk="1" latinLnBrk="0" hangingPunct="1">
+                <a:defRPr sz="1800" kern="1200">
+                  <a:solidFill>
+                    <a:schemeClr val="tx1"/>
+                  </a:solidFill>
+                  <a:latin typeface="+mn-lt"/>
+                  <a:ea typeface="+mn-ea"/>
+                  <a:cs typeface="+mn-cs"/>
+                </a:defRPr>
+              </a:lvl8pPr>
+              <a:lvl9pPr marL="3657600" algn="l" defTabSz="914400" rtl="0" eaLnBrk="1" latinLnBrk="0" hangingPunct="1">
+                <a:defRPr sz="1800" kern="1200">
+                  <a:solidFill>
+                    <a:schemeClr val="tx1"/>
+                  </a:solidFill>
+                  <a:latin typeface="+mn-lt"/>
+                  <a:ea typeface="+mn-ea"/>
+                  <a:cs typeface="+mn-cs"/>
+                </a:defRPr>
+              </a:lvl9pPr>
+            </a:lstStyle>
+            <a:p>
+              <a:endParaRPr lang="en-US" sz="900">
+                <a:latin typeface="Segoe UI" panose="020B0502040204020203" pitchFamily="34" charset="0"/>
+                <a:cs typeface="Segoe UI" panose="020B0502040204020203" pitchFamily="34" charset="0"/>
+              </a:endParaRPr>
+            </a:p>
+          </p:txBody>
+        </p:sp>
+        <p:sp>
+          <p:nvSpPr>
+            <p:cNvPr id="9" name="Speaker"/>
+            <p:cNvSpPr>
+              <a:spLocks/>
+            </p:cNvSpPr>
+            <p:nvPr/>
+          </p:nvSpPr>
+          <p:spPr bwMode="auto">
+            <a:xfrm>
+              <a:off x="1570152" y="1448337"/>
+              <a:ext cx="530275" cy="61980"/>
+            </a:xfrm>
+            <a:custGeom>
+              <a:avLst/>
+              <a:gdLst>
+                <a:gd name="T0" fmla="*/ 50 w 866"/>
+                <a:gd name="T1" fmla="*/ 0 h 101"/>
+                <a:gd name="T2" fmla="*/ 816 w 866"/>
+                <a:gd name="T3" fmla="*/ 0 h 101"/>
+                <a:gd name="T4" fmla="*/ 866 w 866"/>
+                <a:gd name="T5" fmla="*/ 50 h 101"/>
+                <a:gd name="T6" fmla="*/ 816 w 866"/>
+                <a:gd name="T7" fmla="*/ 101 h 101"/>
+                <a:gd name="T8" fmla="*/ 50 w 866"/>
+                <a:gd name="T9" fmla="*/ 101 h 101"/>
+                <a:gd name="T10" fmla="*/ 0 w 866"/>
+                <a:gd name="T11" fmla="*/ 50 h 101"/>
+                <a:gd name="T12" fmla="*/ 50 w 866"/>
+                <a:gd name="T13" fmla="*/ 0 h 101"/>
+              </a:gdLst>
+              <a:ahLst/>
+              <a:cxnLst>
+                <a:cxn ang="0">
+                  <a:pos x="T0" y="T1"/>
+                </a:cxn>
+                <a:cxn ang="0">
+                  <a:pos x="T2" y="T3"/>
+                </a:cxn>
+                <a:cxn ang="0">
+                  <a:pos x="T4" y="T5"/>
+                </a:cxn>
+                <a:cxn ang="0">
+                  <a:pos x="T6" y="T7"/>
+                </a:cxn>
+                <a:cxn ang="0">
+                  <a:pos x="T8" y="T9"/>
+                </a:cxn>
+                <a:cxn ang="0">
+                  <a:pos x="T10" y="T11"/>
+                </a:cxn>
+                <a:cxn ang="0">
+                  <a:pos x="T12" y="T13"/>
+                </a:cxn>
+              </a:cxnLst>
+              <a:rect l="0" t="0" r="r" b="b"/>
+              <a:pathLst>
+                <a:path w="866" h="101">
+                  <a:moveTo>
+                    <a:pt x="50" y="0"/>
+                  </a:moveTo>
+                  <a:lnTo>
+                    <a:pt x="816" y="0"/>
+                  </a:lnTo>
+                  <a:cubicBezTo>
+                    <a:pt x="844" y="0"/>
+                    <a:pt x="866" y="22"/>
+                    <a:pt x="866" y="50"/>
+                  </a:cubicBezTo>
+                  <a:cubicBezTo>
+                    <a:pt x="866" y="78"/>
+                    <a:pt x="844" y="101"/>
+                    <a:pt x="816" y="101"/>
+                  </a:cubicBezTo>
+                  <a:lnTo>
+                    <a:pt x="50" y="101"/>
+                  </a:lnTo>
+                  <a:cubicBezTo>
+                    <a:pt x="22" y="101"/>
+                    <a:pt x="0" y="78"/>
+                    <a:pt x="0" y="50"/>
+                  </a:cubicBezTo>
+                  <a:cubicBezTo>
+                    <a:pt x="0" y="22"/>
+                    <a:pt x="22" y="0"/>
+                    <a:pt x="50" y="0"/>
+                  </a:cubicBezTo>
+                  <a:close/>
+                </a:path>
+              </a:pathLst>
+            </a:custGeom>
+            <a:solidFill>
+              <a:srgbClr val="37474F"/>
+            </a:solidFill>
+            <a:ln w="6350" cap="sq">
+              <a:noFill/>
+              <a:prstDash val="solid"/>
+              <a:miter lim="800000"/>
+              <a:headEnd/>
+              <a:tailEnd/>
+            </a:ln>
+          </p:spPr>
+          <p:txBody>
+            <a:bodyPr vert="horz" wrap="square" lIns="91440" tIns="45720" rIns="91440" bIns="45720" numCol="1" anchor="t" anchorCtr="0" compatLnSpc="1">
+              <a:prstTxWarp prst="textNoShape">
+                <a:avLst/>
+              </a:prstTxWarp>
+            </a:bodyPr>
+            <a:lstStyle>
+              <a:defPPr>
+                <a:defRPr lang="en-US"/>
+              </a:defPPr>
+              <a:lvl1pPr marL="0" algn="l" defTabSz="914400" rtl="0" eaLnBrk="1" latinLnBrk="0" hangingPunct="1">
+                <a:defRPr sz="1800" kern="1200">
+                  <a:solidFill>
+                    <a:schemeClr val="tx1"/>
+                  </a:solidFill>
+                  <a:latin typeface="+mn-lt"/>
+                  <a:ea typeface="+mn-ea"/>
+                  <a:cs typeface="+mn-cs"/>
+                </a:defRPr>
+              </a:lvl1pPr>
+              <a:lvl2pPr marL="457200" algn="l" defTabSz="914400" rtl="0" eaLnBrk="1" latinLnBrk="0" hangingPunct="1">
+                <a:defRPr sz="1800" kern="1200">
+                  <a:solidFill>
+                    <a:schemeClr val="tx1"/>
+                  </a:solidFill>
+                  <a:latin typeface="+mn-lt"/>
+                  <a:ea typeface="+mn-ea"/>
+                  <a:cs typeface="+mn-cs"/>
+                </a:defRPr>
+              </a:lvl2pPr>
+              <a:lvl3pPr marL="914400" algn="l" defTabSz="914400" rtl="0" eaLnBrk="1" latinLnBrk="0" hangingPunct="1">
+                <a:defRPr sz="1800" kern="1200">
+                  <a:solidFill>
+                    <a:schemeClr val="tx1"/>
+                  </a:solidFill>
+                  <a:latin typeface="+mn-lt"/>
+                  <a:ea typeface="+mn-ea"/>
+                  <a:cs typeface="+mn-cs"/>
+                </a:defRPr>
+              </a:lvl3pPr>
+              <a:lvl4pPr marL="1371600" algn="l" defTabSz="914400" rtl="0" eaLnBrk="1" latinLnBrk="0" hangingPunct="1">
+                <a:defRPr sz="1800" kern="1200">
+                  <a:solidFill>
+                    <a:schemeClr val="tx1"/>
+                  </a:solidFill>
+                  <a:latin typeface="+mn-lt"/>
+                  <a:ea typeface="+mn-ea"/>
+                  <a:cs typeface="+mn-cs"/>
+                </a:defRPr>
+              </a:lvl4pPr>
+              <a:lvl5pPr marL="1828800" algn="l" defTabSz="914400" rtl="0" eaLnBrk="1" latinLnBrk="0" hangingPunct="1">
+                <a:defRPr sz="1800" kern="1200">
+                  <a:solidFill>
+                    <a:schemeClr val="tx1"/>
+                  </a:solidFill>
+                  <a:latin typeface="+mn-lt"/>
+                  <a:ea typeface="+mn-ea"/>
+                  <a:cs typeface="+mn-cs"/>
+                </a:defRPr>
+              </a:lvl5pPr>
+              <a:lvl6pPr marL="2286000" algn="l" defTabSz="914400" rtl="0" eaLnBrk="1" latinLnBrk="0" hangingPunct="1">
+                <a:defRPr sz="1800" kern="1200">
+                  <a:solidFill>
+                    <a:schemeClr val="tx1"/>
+                  </a:solidFill>
+                  <a:latin typeface="+mn-lt"/>
+                  <a:ea typeface="+mn-ea"/>
+                  <a:cs typeface="+mn-cs"/>
+                </a:defRPr>
+              </a:lvl6pPr>
+              <a:lvl7pPr marL="2743200" algn="l" defTabSz="914400" rtl="0" eaLnBrk="1" latinLnBrk="0" hangingPunct="1">
+                <a:defRPr sz="1800" kern="1200">
+                  <a:solidFill>
+                    <a:schemeClr val="tx1"/>
+                  </a:solidFill>
+                  <a:latin typeface="+mn-lt"/>
+                  <a:ea typeface="+mn-ea"/>
+                  <a:cs typeface="+mn-cs"/>
+                </a:defRPr>
+              </a:lvl7pPr>
+              <a:lvl8pPr marL="3200400" algn="l" defTabSz="914400" rtl="0" eaLnBrk="1" latinLnBrk="0" hangingPunct="1">
+                <a:defRPr sz="1800" kern="1200">
+                  <a:solidFill>
+                    <a:schemeClr val="tx1"/>
+                  </a:solidFill>
+                  <a:latin typeface="+mn-lt"/>
+                  <a:ea typeface="+mn-ea"/>
+                  <a:cs typeface="+mn-cs"/>
+                </a:defRPr>
+              </a:lvl8pPr>
+              <a:lvl9pPr marL="3657600" algn="l" defTabSz="914400" rtl="0" eaLnBrk="1" latinLnBrk="0" hangingPunct="1">
+                <a:defRPr sz="1800" kern="1200">
+                  <a:solidFill>
+                    <a:schemeClr val="tx1"/>
+                  </a:solidFill>
+                  <a:latin typeface="+mn-lt"/>
+                  <a:ea typeface="+mn-ea"/>
+                  <a:cs typeface="+mn-cs"/>
+                </a:defRPr>
+              </a:lvl9pPr>
+            </a:lstStyle>
+            <a:p>
+              <a:endParaRPr lang="en-US" sz="900">
+                <a:latin typeface="Segoe UI" panose="020B0502040204020203" pitchFamily="34" charset="0"/>
+                <a:cs typeface="Segoe UI" panose="020B0502040204020203" pitchFamily="34" charset="0"/>
+              </a:endParaRPr>
+            </a:p>
+          </p:txBody>
+        </p:sp>
+        <p:sp>
+          <p:nvSpPr>
+            <p:cNvPr id="10" name="Display"/>
+            <p:cNvSpPr/>
+            <p:nvPr/>
+          </p:nvSpPr>
+          <p:spPr>
+            <a:xfrm>
+              <a:off x="692290" y="1677146"/>
+              <a:ext cx="2286000" cy="4064000"/>
+            </a:xfrm>
+            <a:prstGeom prst="rect">
+              <a:avLst/>
+            </a:prstGeom>
+            <a:solidFill>
+              <a:srgbClr val="EEEEEE"/>
+            </a:solidFill>
+            <a:ln w="6350">
+              <a:noFill/>
+            </a:ln>
+          </p:spPr>
+          <p:style>
+            <a:lnRef idx="2">
+              <a:schemeClr val="accent1">
+                <a:shade val="50000"/>
+              </a:schemeClr>
+            </a:lnRef>
+            <a:fillRef idx="1">
+              <a:schemeClr val="accent1"/>
+            </a:fillRef>
+            <a:effectRef idx="0">
+              <a:schemeClr val="accent1"/>
+            </a:effectRef>
+            <a:fontRef idx="minor">
+              <a:schemeClr val="lt1"/>
+            </a:fontRef>
+          </p:style>
+          <p:txBody>
+            <a:bodyPr rot="0" spcFirstLastPara="0" vert="horz" wrap="square" lIns="91440" tIns="45720" rIns="91440" bIns="45720" numCol="1" spcCol="0" rtlCol="0" fromWordArt="0" anchor="ctr" anchorCtr="0" forceAA="0" compatLnSpc="1">
+              <a:prstTxWarp prst="textNoShape">
+                <a:avLst/>
+              </a:prstTxWarp>
+              <a:noAutofit/>
+            </a:bodyPr>
+            <a:lstStyle>
+              <a:defPPr>
+                <a:defRPr lang="en-US"/>
+              </a:defPPr>
+              <a:lvl1pPr marL="0" algn="l" defTabSz="914400" rtl="0" eaLnBrk="1" latinLnBrk="0" hangingPunct="1">
+                <a:defRPr sz="1800" kern="1200">
+                  <a:solidFill>
+                    <a:schemeClr val="lt1"/>
+                  </a:solidFill>
+                  <a:latin typeface="+mn-lt"/>
+                  <a:ea typeface="+mn-ea"/>
+                  <a:cs typeface="+mn-cs"/>
+                </a:defRPr>
+              </a:lvl1pPr>
+              <a:lvl2pPr marL="457200" algn="l" defTabSz="914400" rtl="0" eaLnBrk="1" latinLnBrk="0" hangingPunct="1">
+                <a:defRPr sz="1800" kern="1200">
+                  <a:solidFill>
+                    <a:schemeClr val="lt1"/>
+                  </a:solidFill>
+                  <a:latin typeface="+mn-lt"/>
+                  <a:ea typeface="+mn-ea"/>
+                  <a:cs typeface="+mn-cs"/>
+                </a:defRPr>
+              </a:lvl2pPr>
+              <a:lvl3pPr marL="914400" algn="l" defTabSz="914400" rtl="0" eaLnBrk="1" latinLnBrk="0" hangingPunct="1">
+                <a:defRPr sz="1800" kern="1200">
+                  <a:solidFill>
+                    <a:schemeClr val="lt1"/>
+                  </a:solidFill>
+                  <a:latin typeface="+mn-lt"/>
+                  <a:ea typeface="+mn-ea"/>
+                  <a:cs typeface="+mn-cs"/>
+                </a:defRPr>
+              </a:lvl3pPr>
+              <a:lvl4pPr marL="1371600" algn="l" defTabSz="914400" rtl="0" eaLnBrk="1" latinLnBrk="0" hangingPunct="1">
+                <a:defRPr sz="1800" kern="1200">
+                  <a:solidFill>
+                    <a:schemeClr val="lt1"/>
+                  </a:solidFill>
+                  <a:latin typeface="+mn-lt"/>
+                  <a:ea typeface="+mn-ea"/>
+                  <a:cs typeface="+mn-cs"/>
+                </a:defRPr>
+              </a:lvl4pPr>
+              <a:lvl5pPr marL="1828800" algn="l" defTabSz="914400" rtl="0" eaLnBrk="1" latinLnBrk="0" hangingPunct="1">
+                <a:defRPr sz="1800" kern="1200">
+                  <a:solidFill>
+                    <a:schemeClr val="lt1"/>
+                  </a:solidFill>
+                  <a:latin typeface="+mn-lt"/>
+                  <a:ea typeface="+mn-ea"/>
+                  <a:cs typeface="+mn-cs"/>
+                </a:defRPr>
+              </a:lvl5pPr>
+              <a:lvl6pPr marL="2286000" algn="l" defTabSz="914400" rtl="0" eaLnBrk="1" latinLnBrk="0" hangingPunct="1">
+                <a:defRPr sz="1800" kern="1200">
+                  <a:solidFill>
+                    <a:schemeClr val="lt1"/>
+                  </a:solidFill>
+                  <a:latin typeface="+mn-lt"/>
+                  <a:ea typeface="+mn-ea"/>
+                  <a:cs typeface="+mn-cs"/>
+                </a:defRPr>
+              </a:lvl6pPr>
+              <a:lvl7pPr marL="2743200" algn="l" defTabSz="914400" rtl="0" eaLnBrk="1" latinLnBrk="0" hangingPunct="1">
+                <a:defRPr sz="1800" kern="1200">
+                  <a:solidFill>
+                    <a:schemeClr val="lt1"/>
+                  </a:solidFill>
+                  <a:latin typeface="+mn-lt"/>
+                  <a:ea typeface="+mn-ea"/>
+                  <a:cs typeface="+mn-cs"/>
+                </a:defRPr>
+              </a:lvl7pPr>
+              <a:lvl8pPr marL="3200400" algn="l" defTabSz="914400" rtl="0" eaLnBrk="1" latinLnBrk="0" hangingPunct="1">
+                <a:defRPr sz="1800" kern="1200">
+                  <a:solidFill>
+                    <a:schemeClr val="lt1"/>
+                  </a:solidFill>
+                  <a:latin typeface="+mn-lt"/>
+                  <a:ea typeface="+mn-ea"/>
+                  <a:cs typeface="+mn-cs"/>
+                </a:defRPr>
+              </a:lvl8pPr>
+              <a:lvl9pPr marL="3657600" algn="l" defTabSz="914400" rtl="0" eaLnBrk="1" latinLnBrk="0" hangingPunct="1">
+                <a:defRPr sz="1800" kern="1200">
+                  <a:solidFill>
+                    <a:schemeClr val="lt1"/>
+                  </a:solidFill>
+                  <a:latin typeface="+mn-lt"/>
+                  <a:ea typeface="+mn-ea"/>
+                  <a:cs typeface="+mn-cs"/>
+                </a:defRPr>
+              </a:lvl9pPr>
+            </a:lstStyle>
+            <a:p>
+              <a:pPr algn="ctr"/>
+              <a:endParaRPr lang="en-US" sz="900" strike="sngStrike" dirty="0" smtClean="0">
+                <a:solidFill>
+                  <a:schemeClr val="tx1"/>
+                </a:solidFill>
+                <a:latin typeface="Segoe UI" panose="020B0502040204020203" pitchFamily="34" charset="0"/>
+                <a:cs typeface="Segoe UI" panose="020B0502040204020203" pitchFamily="34" charset="0"/>
+              </a:endParaRPr>
+            </a:p>
+          </p:txBody>
+        </p:sp>
+      </p:grpSp>
+      <p:cxnSp>
+        <p:nvCxnSpPr>
+          <p:cNvPr id="43" name="Прямая соединительная линия 42"/>
+          <p:cNvCxnSpPr/>
+          <p:nvPr/>
+        </p:nvCxnSpPr>
+        <p:spPr>
+          <a:xfrm>
+            <a:off x="7308304" y="5661248"/>
+            <a:ext cx="0" cy="0"/>
+          </a:xfrm>
+          <a:prstGeom prst="line">
+            <a:avLst/>
+          </a:prstGeom>
+        </p:spPr>
+        <p:style>
+          <a:lnRef idx="1">
+            <a:schemeClr val="accent1"/>
+          </a:lnRef>
+          <a:fillRef idx="0">
+            <a:schemeClr val="accent1"/>
+          </a:fillRef>
+          <a:effectRef idx="0">
+            <a:schemeClr val="accent1"/>
+          </a:effectRef>
+          <a:fontRef idx="minor">
+            <a:schemeClr val="tx1"/>
+          </a:fontRef>
+        </p:style>
+      </p:cxnSp>
+      <p:sp>
+        <p:nvSpPr>
+          <p:cNvPr id="57" name="Стрелка вверх 56"/>
+          <p:cNvSpPr/>
+          <p:nvPr/>
+        </p:nvSpPr>
+        <p:spPr>
+          <a:xfrm>
+            <a:off x="1043608" y="4077072"/>
+            <a:ext cx="504056" cy="792088"/>
+          </a:xfrm>
+          <a:prstGeom prst="upArrow">
+            <a:avLst/>
+          </a:prstGeom>
+        </p:spPr>
+        <p:style>
+          <a:lnRef idx="2">
+            <a:schemeClr val="accent2">
+              <a:shade val="50000"/>
+            </a:schemeClr>
+          </a:lnRef>
+          <a:fillRef idx="1">
+            <a:schemeClr val="accent2"/>
+          </a:fillRef>
+          <a:effectRef idx="0">
+            <a:schemeClr val="accent2"/>
+          </a:effectRef>
+          <a:fontRef idx="minor">
+            <a:schemeClr val="lt1"/>
+          </a:fontRef>
+        </p:style>
+        <p:txBody>
+          <a:bodyPr rtlCol="0" anchor="ctr"/>
+          <a:lstStyle/>
+          <a:p>
+            <a:pPr algn="ctr"/>
+            <a:endParaRPr lang="ru-RU"/>
+          </a:p>
+        </p:txBody>
+      </p:sp>
+      <p:sp>
+        <p:nvSpPr>
+          <p:cNvPr id="59" name="Стрелка вправо 58"/>
+          <p:cNvSpPr/>
+          <p:nvPr/>
+        </p:nvSpPr>
+        <p:spPr>
+          <a:xfrm>
+            <a:off x="1047092" y="2348880"/>
+            <a:ext cx="792088" cy="432048"/>
+          </a:xfrm>
+          <a:prstGeom prst="rightArrow">
+            <a:avLst/>
+          </a:prstGeom>
+        </p:spPr>
+        <p:style>
+          <a:lnRef idx="2">
+            <a:schemeClr val="accent3">
+              <a:shade val="50000"/>
+            </a:schemeClr>
+          </a:lnRef>
+          <a:fillRef idx="1">
+            <a:schemeClr val="accent3"/>
+          </a:fillRef>
+          <a:effectRef idx="0">
+            <a:schemeClr val="accent3"/>
+          </a:effectRef>
+          <a:fontRef idx="minor">
+            <a:schemeClr val="lt1"/>
+          </a:fontRef>
+        </p:style>
+        <p:txBody>
+          <a:bodyPr rtlCol="0" anchor="ctr"/>
+          <a:lstStyle/>
+          <a:p>
+            <a:pPr algn="ctr"/>
+            <a:endParaRPr lang="ru-RU"/>
+          </a:p>
+        </p:txBody>
+      </p:sp>
+      <p:sp>
+        <p:nvSpPr>
+          <p:cNvPr id="60" name="Стрелка вправо 59"/>
+          <p:cNvSpPr/>
+          <p:nvPr/>
+        </p:nvSpPr>
+        <p:spPr>
+          <a:xfrm rot="10800000">
+            <a:off x="1043608" y="3429000"/>
+            <a:ext cx="792088" cy="432048"/>
+          </a:xfrm>
+          <a:prstGeom prst="rightArrow">
+            <a:avLst/>
+          </a:prstGeom>
+        </p:spPr>
+        <p:style>
+          <a:lnRef idx="2">
+            <a:schemeClr val="accent3">
+              <a:shade val="50000"/>
+            </a:schemeClr>
+          </a:lnRef>
+          <a:fillRef idx="1">
+            <a:schemeClr val="accent3"/>
+          </a:fillRef>
+          <a:effectRef idx="0">
+            <a:schemeClr val="accent3"/>
+          </a:effectRef>
+          <a:fontRef idx="minor">
+            <a:schemeClr val="lt1"/>
+          </a:fontRef>
+        </p:style>
+        <p:txBody>
+          <a:bodyPr rtlCol="0" anchor="ctr"/>
+          <a:lstStyle/>
+          <a:p>
+            <a:pPr algn="ctr"/>
+            <a:endParaRPr lang="ru-RU"/>
+          </a:p>
+        </p:txBody>
+      </p:sp>
+      <p:sp>
+        <p:nvSpPr>
+          <p:cNvPr id="19" name="Прямоугольник 18"/>
+          <p:cNvSpPr/>
+          <p:nvPr/>
+        </p:nvSpPr>
+        <p:spPr>
+          <a:xfrm>
+            <a:off x="1547664" y="4161854"/>
+            <a:ext cx="2803973" cy="923330"/>
+          </a:xfrm>
+          <a:prstGeom prst="rect">
+            <a:avLst/>
+          </a:prstGeom>
+          <a:noFill/>
+        </p:spPr>
+        <p:txBody>
+          <a:bodyPr wrap="none" lIns="91440" tIns="45720" rIns="91440" bIns="45720">
+            <a:spAutoFit/>
+          </a:bodyPr>
+          <a:lstStyle/>
+          <a:p>
+            <a:pPr algn="ctr"/>
+            <a:r>
+              <a:rPr lang="ru-RU" sz="5400" b="1" cap="none" spc="0" dirty="0" smtClean="0">
+                <a:ln w="1905"/>
+                <a:solidFill>
+                  <a:schemeClr val="tx1">
+                    <a:lumMod val="75000"/>
+                    <a:lumOff val="25000"/>
+                  </a:schemeClr>
+                </a:solidFill>
+                <a:effectLst>
+                  <a:innerShdw blurRad="69850" dist="43180" dir="5400000">
+                    <a:srgbClr val="000000">
+                      <a:alpha val="65000"/>
+                    </a:srgbClr>
+                  </a:innerShdw>
+                </a:effectLst>
+                <a:latin typeface="Segoe Script" pitchFamily="34" charset="0"/>
+              </a:rPr>
+              <a:t>= </a:t>
+            </a:r>
+            <a:r>
+              <a:rPr lang="en-US" sz="5400" b="1" dirty="0" smtClean="0">
+                <a:ln w="1905"/>
+                <a:solidFill>
+                  <a:schemeClr val="tx1">
+                    <a:lumMod val="75000"/>
+                    <a:lumOff val="25000"/>
+                  </a:schemeClr>
+                </a:solidFill>
+                <a:effectLst>
+                  <a:innerShdw blurRad="69850" dist="43180" dir="5400000">
+                    <a:srgbClr val="000000">
+                      <a:alpha val="65000"/>
+                    </a:srgbClr>
+                  </a:innerShdw>
+                </a:effectLst>
+                <a:latin typeface="Segoe Script" pitchFamily="34" charset="0"/>
+              </a:rPr>
+              <a:t>jump</a:t>
+            </a:r>
+            <a:endParaRPr lang="ru-RU" sz="5400" b="1" cap="none" spc="0" dirty="0">
+              <a:ln w="1905"/>
+              <a:solidFill>
+                <a:schemeClr val="tx1">
+                  <a:lumMod val="75000"/>
+                  <a:lumOff val="25000"/>
+                </a:schemeClr>
+              </a:solidFill>
+              <a:effectLst>
+                <a:innerShdw blurRad="69850" dist="43180" dir="5400000">
+                  <a:srgbClr val="000000">
+                    <a:alpha val="65000"/>
+                  </a:srgbClr>
+                </a:innerShdw>
+              </a:effectLst>
+              <a:latin typeface="Segoe Script" pitchFamily="34" charset="0"/>
+            </a:endParaRPr>
+          </a:p>
+        </p:txBody>
+      </p:sp>
+      <p:sp>
+        <p:nvSpPr>
+          <p:cNvPr id="20" name="Прямоугольник 19"/>
+          <p:cNvSpPr/>
+          <p:nvPr/>
+        </p:nvSpPr>
+        <p:spPr>
+          <a:xfrm>
+            <a:off x="1907704" y="3212976"/>
+            <a:ext cx="3796232" cy="923330"/>
+          </a:xfrm>
+          <a:prstGeom prst="rect">
+            <a:avLst/>
+          </a:prstGeom>
+          <a:noFill/>
+        </p:spPr>
+        <p:txBody>
+          <a:bodyPr wrap="none" lIns="91440" tIns="45720" rIns="91440" bIns="45720">
+            <a:spAutoFit/>
+          </a:bodyPr>
+          <a:lstStyle/>
+          <a:p>
+            <a:pPr algn="ctr"/>
+            <a:r>
+              <a:rPr lang="en-US" sz="5400" b="1" dirty="0" smtClean="0">
+                <a:ln w="1905"/>
+                <a:solidFill>
+                  <a:schemeClr val="tx1">
+                    <a:lumMod val="75000"/>
+                    <a:lumOff val="25000"/>
+                  </a:schemeClr>
+                </a:solidFill>
+                <a:effectLst>
+                  <a:innerShdw blurRad="69850" dist="43180" dir="5400000">
+                    <a:srgbClr val="000000">
+                      <a:alpha val="65000"/>
+                    </a:srgbClr>
+                  </a:innerShdw>
+                </a:effectLst>
+                <a:latin typeface="Segoe Script" pitchFamily="34" charset="0"/>
+              </a:rPr>
+              <a:t>=left shift</a:t>
+            </a:r>
+            <a:endParaRPr lang="ru-RU" sz="5400" b="1" dirty="0">
+              <a:ln w="1905"/>
+              <a:solidFill>
+                <a:schemeClr val="tx1">
+                  <a:lumMod val="75000"/>
+                  <a:lumOff val="25000"/>
+                </a:schemeClr>
+              </a:solidFill>
+              <a:effectLst>
+                <a:innerShdw blurRad="69850" dist="43180" dir="5400000">
+                  <a:srgbClr val="000000">
+                    <a:alpha val="65000"/>
+                  </a:srgbClr>
+                </a:innerShdw>
+              </a:effectLst>
+              <a:latin typeface="Segoe Script" pitchFamily="34" charset="0"/>
+            </a:endParaRPr>
+          </a:p>
+        </p:txBody>
+      </p:sp>
+      <p:sp>
+        <p:nvSpPr>
+          <p:cNvPr id="21" name="Прямоугольник 20"/>
+          <p:cNvSpPr/>
+          <p:nvPr/>
+        </p:nvSpPr>
+        <p:spPr>
+          <a:xfrm>
+            <a:off x="1907704" y="2204864"/>
+            <a:ext cx="4414991" cy="923330"/>
+          </a:xfrm>
+          <a:prstGeom prst="rect">
+            <a:avLst/>
+          </a:prstGeom>
+          <a:noFill/>
+        </p:spPr>
+        <p:txBody>
+          <a:bodyPr wrap="none" lIns="91440" tIns="45720" rIns="91440" bIns="45720">
+            <a:spAutoFit/>
+          </a:bodyPr>
+          <a:lstStyle/>
+          <a:p>
+            <a:pPr algn="ctr"/>
+            <a:r>
+              <a:rPr lang="en-US" sz="5400" b="1" dirty="0" smtClean="0">
+                <a:ln w="1905"/>
+                <a:solidFill>
+                  <a:schemeClr val="tx1">
+                    <a:lumMod val="75000"/>
+                    <a:lumOff val="25000"/>
+                  </a:schemeClr>
+                </a:solidFill>
+                <a:effectLst>
+                  <a:innerShdw blurRad="69850" dist="43180" dir="5400000">
+                    <a:srgbClr val="000000">
+                      <a:alpha val="65000"/>
+                    </a:srgbClr>
+                  </a:innerShdw>
+                </a:effectLst>
+                <a:latin typeface="Segoe Script" pitchFamily="34" charset="0"/>
+              </a:rPr>
+              <a:t>=right shift</a:t>
+            </a:r>
+            <a:endParaRPr lang="ru-RU" sz="5400" b="1" cap="none" spc="0" dirty="0">
+              <a:ln w="1905"/>
+              <a:solidFill>
+                <a:schemeClr val="tx1">
+                  <a:lumMod val="75000"/>
+                  <a:lumOff val="25000"/>
+                </a:schemeClr>
+              </a:solidFill>
+              <a:effectLst>
+                <a:innerShdw blurRad="69850" dist="43180" dir="5400000">
+                  <a:srgbClr val="000000">
+                    <a:alpha val="65000"/>
+                  </a:srgbClr>
+                </a:innerShdw>
+              </a:effectLst>
+              <a:latin typeface="Segoe Script" pitchFamily="34" charset="0"/>
+            </a:endParaRPr>
+          </a:p>
+        </p:txBody>
+      </p:sp>
+      <p:sp>
+        <p:nvSpPr>
+          <p:cNvPr id="22" name="Прямоугольник 21"/>
+          <p:cNvSpPr/>
+          <p:nvPr/>
+        </p:nvSpPr>
+        <p:spPr>
+          <a:xfrm>
+            <a:off x="1115616" y="5385990"/>
+            <a:ext cx="380232" cy="338554"/>
+          </a:xfrm>
+          <a:prstGeom prst="rect">
+            <a:avLst/>
+          </a:prstGeom>
+        </p:spPr>
+        <p:style>
+          <a:lnRef idx="2">
+            <a:schemeClr val="accent3"/>
+          </a:lnRef>
+          <a:fillRef idx="1">
+            <a:schemeClr val="lt1"/>
+          </a:fillRef>
+          <a:effectRef idx="0">
+            <a:schemeClr val="accent3"/>
+          </a:effectRef>
+          <a:fontRef idx="minor">
+            <a:schemeClr val="dk1"/>
+          </a:fontRef>
+        </p:style>
+        <p:txBody>
+          <a:bodyPr wrap="none" lIns="91440" tIns="45720" rIns="91440" bIns="45720">
+            <a:spAutoFit/>
+            <a:scene3d>
+              <a:camera prst="orthographicFront"/>
+              <a:lightRig rig="glow" dir="tl">
+                <a:rot lat="0" lon="0" rev="5400000"/>
+              </a:lightRig>
+            </a:scene3d>
+            <a:sp3d contourW="12700">
+              <a:bevelT w="25400" h="25400"/>
+              <a:contourClr>
+                <a:schemeClr val="accent6">
+                  <a:shade val="73000"/>
+                </a:schemeClr>
+              </a:contourClr>
+            </a:sp3d>
+          </a:bodyPr>
+          <a:lstStyle/>
+          <a:p>
+            <a:pPr algn="ctr"/>
+            <a:r>
+              <a:rPr lang="en-US" sz="1600" b="1" cap="none" spc="0" dirty="0" smtClean="0">
+                <a:ln w="11430"/>
+                <a:gradFill>
+                  <a:gsLst>
+                    <a:gs pos="0">
+                      <a:schemeClr val="accent6">
+                        <a:tint val="90000"/>
+                        <a:satMod val="120000"/>
+                      </a:schemeClr>
+                    </a:gs>
+                    <a:gs pos="25000">
+                      <a:schemeClr val="accent6">
+                        <a:tint val="93000"/>
+                        <a:satMod val="120000"/>
+                      </a:schemeClr>
+                    </a:gs>
+                    <a:gs pos="50000">
+                      <a:schemeClr val="accent6">
+                        <a:shade val="89000"/>
+                        <a:satMod val="110000"/>
+                      </a:schemeClr>
+                    </a:gs>
+                    <a:gs pos="75000">
+                      <a:schemeClr val="accent6">
+                        <a:tint val="93000"/>
+                        <a:satMod val="120000"/>
+                      </a:schemeClr>
+                    </a:gs>
+                    <a:gs pos="100000">
+                      <a:schemeClr val="accent6">
+                        <a:tint val="90000"/>
+                        <a:satMod val="120000"/>
+                      </a:schemeClr>
+                    </a:gs>
+                  </a:gsLst>
+                  <a:lin ang="5400000"/>
+                </a:gradFill>
+                <a:effectLst>
+                  <a:outerShdw blurRad="80000" dist="40000" dir="5040000" algn="tl">
+                    <a:srgbClr val="000000">
+                      <a:alpha val="30000"/>
+                    </a:srgbClr>
+                  </a:outerShdw>
+                </a:effectLst>
+              </a:rPr>
+              <a:t>||</a:t>
+            </a:r>
+            <a:endParaRPr lang="ru-RU" sz="1600" b="1" cap="none" spc="0" dirty="0">
+              <a:ln w="11430"/>
+              <a:gradFill>
+                <a:gsLst>
+                  <a:gs pos="0">
+                    <a:schemeClr val="accent6">
+                      <a:tint val="90000"/>
+                      <a:satMod val="120000"/>
+                    </a:schemeClr>
+                  </a:gs>
+                  <a:gs pos="25000">
+                    <a:schemeClr val="accent6">
+                      <a:tint val="93000"/>
+                      <a:satMod val="120000"/>
+                    </a:schemeClr>
+                  </a:gs>
+                  <a:gs pos="50000">
+                    <a:schemeClr val="accent6">
+                      <a:shade val="89000"/>
+                      <a:satMod val="110000"/>
+                    </a:schemeClr>
+                  </a:gs>
+                  <a:gs pos="75000">
+                    <a:schemeClr val="accent6">
+                      <a:tint val="93000"/>
+                      <a:satMod val="120000"/>
+                    </a:schemeClr>
+                  </a:gs>
+                  <a:gs pos="100000">
+                    <a:schemeClr val="accent6">
+                      <a:tint val="90000"/>
+                      <a:satMod val="120000"/>
+                    </a:schemeClr>
+                  </a:gs>
+                </a:gsLst>
+                <a:lin ang="5400000"/>
+              </a:gradFill>
+              <a:effectLst>
+                <a:outerShdw blurRad="80000" dist="40000" dir="5040000" algn="tl">
+                  <a:srgbClr val="000000">
+                    <a:alpha val="30000"/>
+                  </a:srgbClr>
+                </a:outerShdw>
+              </a:effectLst>
+            </a:endParaRPr>
+          </a:p>
+        </p:txBody>
+      </p:sp>
+      <p:sp>
+        <p:nvSpPr>
+          <p:cNvPr id="23" name="Прямоугольник 22"/>
+          <p:cNvSpPr/>
+          <p:nvPr/>
+        </p:nvSpPr>
+        <p:spPr>
+          <a:xfrm>
+            <a:off x="1505261" y="5169966"/>
+            <a:ext cx="2994731" cy="923330"/>
+          </a:xfrm>
+          <a:prstGeom prst="rect">
+            <a:avLst/>
+          </a:prstGeom>
+          <a:noFill/>
+        </p:spPr>
+        <p:txBody>
+          <a:bodyPr wrap="none" lIns="91440" tIns="45720" rIns="91440" bIns="45720">
+            <a:spAutoFit/>
+          </a:bodyPr>
+          <a:lstStyle/>
+          <a:p>
+            <a:pPr algn="ctr"/>
+            <a:r>
+              <a:rPr lang="ru-RU" sz="5400" b="1" cap="none" spc="0" dirty="0" smtClean="0">
+                <a:ln w="1905"/>
+                <a:solidFill>
+                  <a:schemeClr val="tx1">
+                    <a:lumMod val="75000"/>
+                    <a:lumOff val="25000"/>
+                  </a:schemeClr>
+                </a:solidFill>
+                <a:effectLst>
+                  <a:innerShdw blurRad="69850" dist="43180" dir="5400000">
+                    <a:srgbClr val="000000">
+                      <a:alpha val="65000"/>
+                    </a:srgbClr>
+                  </a:innerShdw>
+                </a:effectLst>
+                <a:latin typeface="Segoe Script" pitchFamily="34" charset="0"/>
+              </a:rPr>
+              <a:t>= </a:t>
+            </a:r>
+            <a:r>
+              <a:rPr lang="en-US" sz="5400" b="1" dirty="0" smtClean="0">
+                <a:ln w="1905"/>
+                <a:solidFill>
+                  <a:schemeClr val="tx1">
+                    <a:lumMod val="75000"/>
+                    <a:lumOff val="25000"/>
+                  </a:schemeClr>
+                </a:solidFill>
+                <a:effectLst>
+                  <a:innerShdw blurRad="69850" dist="43180" dir="5400000">
+                    <a:srgbClr val="000000">
+                      <a:alpha val="65000"/>
+                    </a:srgbClr>
+                  </a:innerShdw>
+                </a:effectLst>
+                <a:latin typeface="Segoe Script" pitchFamily="34" charset="0"/>
+              </a:rPr>
+              <a:t>pause</a:t>
+            </a:r>
+            <a:endParaRPr lang="ru-RU" sz="5400" b="1" cap="none" spc="0" dirty="0">
+              <a:ln w="1905"/>
+              <a:solidFill>
+                <a:schemeClr val="tx1">
+                  <a:lumMod val="75000"/>
+                  <a:lumOff val="25000"/>
+                </a:schemeClr>
+              </a:solidFill>
+              <a:effectLst>
+                <a:innerShdw blurRad="69850" dist="43180" dir="5400000">
+                  <a:srgbClr val="000000">
+                    <a:alpha val="65000"/>
+                  </a:srgbClr>
+                </a:innerShdw>
+              </a:effectLst>
+              <a:latin typeface="Segoe Script" pitchFamily="34" charset="0"/>
+            </a:endParaRPr>
+          </a:p>
+        </p:txBody>
+      </p:sp>
+    </p:spTree>
+  </p:cSld>
+  <p:clrMapOvr>
+    <a:masterClrMapping/>
+  </p:clrMapOvr>
+  <p:transition>
+    <p:fade/>
+  </p:transition>
+  <p:timing>
+    <p:tnLst>
+      <p:par>
+        <p:cTn id="1" dur="indefinite" restart="never" nodeType="tmRoot"/>
+      </p:par>
+    </p:tnLst>
+  </p:timing>
+</p:sld>
+</file>
+
+<file path=ppt/slides/slide5.xml><?xml version="1.0" encoding="utf-8"?>
+<p:sld xmlns:a="http://schemas.openxmlformats.org/drawingml/2006/main" xmlns:r="http://schemas.openxmlformats.org/officeDocument/2006/relationships" xmlns:p="http://schemas.openxmlformats.org/presentationml/2006/main">
+  <p:cSld>
+    <p:spTree>
+      <p:nvGrpSpPr>
+        <p:cNvPr id="1" name=""/>
+        <p:cNvGrpSpPr/>
+        <p:nvPr/>
+      </p:nvGrpSpPr>
+      <p:grpSpPr>
+        <a:xfrm>
+          <a:off x="0" y="0"/>
+          <a:ext cx="0" cy="0"/>
+          <a:chOff x="0" y="0"/>
+          <a:chExt cx="0" cy="0"/>
+        </a:xfrm>
+      </p:grpSpPr>
+      <p:sp>
+        <p:nvSpPr>
+          <p:cNvPr id="2" name="Заголовок 1"/>
+          <p:cNvSpPr>
+            <a:spLocks noGrp="1"/>
+          </p:cNvSpPr>
+          <p:nvPr>
+            <p:ph type="title"/>
+          </p:nvPr>
+        </p:nvSpPr>
+        <p:spPr/>
+        <p:txBody>
+          <a:bodyPr/>
+          <a:lstStyle/>
+          <a:p>
+            <a:r>
+              <a:rPr lang="en-US" dirty="0" smtClean="0"/>
+              <a:t>Scene </a:t>
+            </a:r>
+            <a:r>
+              <a:rPr lang="en-US" dirty="0" smtClean="0"/>
+              <a:t>4</a:t>
             </a:r>
             <a:endParaRPr lang="ru-RU" dirty="0"/>
           </a:p>
@@ -5875,7 +7533,11 @@
             </a:pPr>
             <a:r>
               <a:rPr lang="en-US" dirty="0" smtClean="0"/>
-              <a:t>game</a:t>
+              <a:t>G</a:t>
+            </a:r>
+            <a:r>
+              <a:rPr lang="en-US" dirty="0" smtClean="0"/>
+              <a:t>ame</a:t>
             </a:r>
             <a:endParaRPr lang="ru-RU" dirty="0"/>
           </a:p>
